--- a/Slide.pptx
+++ b/Slide.pptx
@@ -5,7 +5,7 @@
     <p:sldMasterId id="2147483648" r:id="rId1"/>
   </p:sldMasterIdLst>
   <p:notesMasterIdLst>
-    <p:notesMasterId r:id="rId28"/>
+    <p:notesMasterId r:id="rId27"/>
   </p:notesMasterIdLst>
   <p:sldIdLst>
     <p:sldId id="259" r:id="rId2"/>
@@ -33,7 +33,6 @@
     <p:sldId id="279" r:id="rId24"/>
     <p:sldId id="280" r:id="rId25"/>
     <p:sldId id="282" r:id="rId26"/>
-    <p:sldId id="281" r:id="rId27"/>
   </p:sldIdLst>
   <p:sldSz cx="9144000" cy="6858000" type="screen4x3"/>
   <p:notesSz cx="6858000" cy="9144000"/>
@@ -204,7 +203,6 @@
             <p14:sldId id="279"/>
             <p14:sldId id="280"/>
             <p14:sldId id="282"/>
-            <p14:sldId id="281"/>
           </p14:sldIdLst>
         </p14:section>
       </p14:sectionLst>
@@ -6168,98 +6166,6 @@
 </p:sld>
 </file>
 
-<file path=ppt/slides/slide26.xml><?xml version="1.0" encoding="utf-8"?>
-<p:sld xmlns:a="http://schemas.openxmlformats.org/drawingml/2006/main" xmlns:r="http://schemas.openxmlformats.org/officeDocument/2006/relationships" xmlns:p="http://schemas.openxmlformats.org/presentationml/2006/main">
-  <p:cSld>
-    <p:spTree>
-      <p:nvGrpSpPr>
-        <p:cNvPr id="1" name=""/>
-        <p:cNvGrpSpPr/>
-        <p:nvPr/>
-      </p:nvGrpSpPr>
-      <p:grpSpPr>
-        <a:xfrm>
-          <a:off x="0" y="0"/>
-          <a:ext cx="0" cy="0"/>
-          <a:chOff x="0" y="0"/>
-          <a:chExt cx="0" cy="0"/>
-        </a:xfrm>
-      </p:grpSpPr>
-      <p:sp>
-        <p:nvSpPr>
-          <p:cNvPr id="2" name="Title 1">
-            <a:extLst>
-              <a:ext uri="{FF2B5EF4-FFF2-40B4-BE49-F238E27FC236}">
-                <a16:creationId xmlns:a16="http://schemas.microsoft.com/office/drawing/2014/main" id="{B7214F44-5A5D-4D18-A2CD-98E49DA789E6}"/>
-              </a:ext>
-            </a:extLst>
-          </p:cNvPr>
-          <p:cNvSpPr>
-            <a:spLocks noGrp="1"/>
-          </p:cNvSpPr>
-          <p:nvPr>
-            <p:ph type="title"/>
-          </p:nvPr>
-        </p:nvSpPr>
-        <p:spPr/>
-        <p:txBody>
-          <a:bodyPr/>
-          <a:lstStyle/>
-          <a:p>
-            <a:r>
-              <a:rPr lang="en-US"/>
-              <a:t>Nhận xét</a:t>
-            </a:r>
-          </a:p>
-        </p:txBody>
-      </p:sp>
-      <p:sp>
-        <p:nvSpPr>
-          <p:cNvPr id="3" name="Content Placeholder 2">
-            <a:extLst>
-              <a:ext uri="{FF2B5EF4-FFF2-40B4-BE49-F238E27FC236}">
-                <a16:creationId xmlns:a16="http://schemas.microsoft.com/office/drawing/2014/main" id="{9443A754-BEFA-4935-B9F3-803F080F7010}"/>
-              </a:ext>
-            </a:extLst>
-          </p:cNvPr>
-          <p:cNvSpPr>
-            <a:spLocks noGrp="1"/>
-          </p:cNvSpPr>
-          <p:nvPr>
-            <p:ph idx="1"/>
-          </p:nvPr>
-        </p:nvSpPr>
-        <p:spPr/>
-        <p:txBody>
-          <a:bodyPr/>
-          <a:lstStyle/>
-          <a:p>
-            <a:r>
-              <a:rPr lang="en-US"/>
-              <a:t>Có thể thấy tốc độ của hàm scatter là chậm nhất.</a:t>
-            </a:r>
-          </a:p>
-          <a:p>
-            <a:r>
-              <a:rPr lang="en-US"/>
-              <a:t>Sau đó đến hàm tính histogram</a:t>
-            </a:r>
-          </a:p>
-        </p:txBody>
-      </p:sp>
-    </p:spTree>
-    <p:extLst>
-      <p:ext uri="{BB962C8B-B14F-4D97-AF65-F5344CB8AC3E}">
-        <p14:creationId xmlns:p14="http://schemas.microsoft.com/office/powerpoint/2010/main" val="483661173"/>
-      </p:ext>
-    </p:extLst>
-  </p:cSld>
-  <p:clrMapOvr>
-    <a:masterClrMapping/>
-  </p:clrMapOvr>
-</p:sld>
-</file>
-
 <file path=ppt/slides/slide3.xml><?xml version="1.0" encoding="utf-8"?>
 <p:sld xmlns:a="http://schemas.openxmlformats.org/drawingml/2006/main" xmlns:r="http://schemas.openxmlformats.org/officeDocument/2006/relationships" xmlns:p="http://schemas.openxmlformats.org/presentationml/2006/main">
   <p:cSld>
@@ -6417,7 +6323,7 @@
           <a:lstStyle/>
           <a:p>
             <a:r>
-              <a:rPr lang="en-US"/>
+              <a:rPr lang="en-US" sz="2800"/>
               <a:t>Để dễ theo dõi : mong thầy vào link colab :</a:t>
             </a:r>
           </a:p>
@@ -6426,8 +6332,12 @@
               <a:buNone/>
             </a:pPr>
             <a:r>
-              <a:rPr lang="en-US"/>
-              <a:t>Public : </a:t>
+              <a:rPr lang="en-US" sz="2000"/>
+              <a:t>Public :</a:t>
+            </a:r>
+            <a:r>
+              <a:rPr lang="en-US"/>
+              <a:t> </a:t>
             </a:r>
             <a:r>
               <a:rPr lang="en-US">
